--- a/branches/extended/2-Java-Programmer-Modulo-II/06.Capitulo01.pptx
+++ b/branches/extended/2-Java-Programmer-Modulo-II/06.Capitulo01.pptx
@@ -255,7 +255,7 @@
               <a:pPr>
                 <a:defRPr/>
               </a:pPr>
-              <a:t>06/05/2012</a:t>
+              <a:t>24/09/2012</a:t>
             </a:fld>
             <a:endParaRPr lang="pt-BR"/>
           </a:p>
@@ -443,7 +443,7 @@
               <a:pPr>
                 <a:defRPr/>
               </a:pPr>
-              <a:t>‹nº›</a:t>
+              <a:t>‹#›</a:t>
             </a:fld>
             <a:endParaRPr lang="pt-BR"/>
           </a:p>
@@ -1742,7 +1742,10 @@
             </a:pPr>
             <a:fld id="{E199EB89-E5C3-44E2-BE6C-6EBD3C9F72AC}" type="datetime1">
               <a:rPr lang="pt-BR" smtClean="0"/>
-              <a:t>06/05/2012</a:t>
+              <a:pPr>
+                <a:defRPr/>
+              </a:pPr>
+              <a:t>24/09/2012</a:t>
             </a:fld>
             <a:endParaRPr lang="pt-BR"/>
           </a:p>
@@ -1801,7 +1804,7 @@
               <a:pPr>
                 <a:defRPr/>
               </a:pPr>
-              <a:t>‹nº›</a:t>
+              <a:t>‹#›</a:t>
             </a:fld>
             <a:endParaRPr lang="pt-BR"/>
           </a:p>
@@ -1931,7 +1934,10 @@
             </a:pPr>
             <a:fld id="{6F79C8D1-D3D6-424A-AF97-B54421C250A5}" type="datetime1">
               <a:rPr lang="pt-BR" smtClean="0"/>
-              <a:t>06/05/2012</a:t>
+              <a:pPr>
+                <a:defRPr/>
+              </a:pPr>
+              <a:t>24/09/2012</a:t>
             </a:fld>
             <a:endParaRPr lang="pt-BR"/>
           </a:p>
@@ -1990,7 +1996,7 @@
               <a:pPr>
                 <a:defRPr/>
               </a:pPr>
-              <a:t>‹nº›</a:t>
+              <a:t>‹#›</a:t>
             </a:fld>
             <a:endParaRPr lang="pt-BR"/>
           </a:p>
@@ -2130,7 +2136,10 @@
             </a:pPr>
             <a:fld id="{84367B2D-D276-4037-9D03-B20F73DA4222}" type="datetime1">
               <a:rPr lang="pt-BR" smtClean="0"/>
-              <a:t>06/05/2012</a:t>
+              <a:pPr>
+                <a:defRPr/>
+              </a:pPr>
+              <a:t>24/09/2012</a:t>
             </a:fld>
             <a:endParaRPr lang="pt-BR"/>
           </a:p>
@@ -2189,7 +2198,7 @@
               <a:pPr>
                 <a:defRPr/>
               </a:pPr>
-              <a:t>‹nº›</a:t>
+              <a:t>‹#›</a:t>
             </a:fld>
             <a:endParaRPr lang="pt-BR"/>
           </a:p>
@@ -2323,7 +2332,10 @@
             </a:pPr>
             <a:fld id="{87C8A393-FF76-49C1-B623-DB680E21B98D}" type="datetime1">
               <a:rPr lang="pt-BR" smtClean="0"/>
-              <a:t>06/05/2012</a:t>
+              <a:pPr>
+                <a:defRPr/>
+              </a:pPr>
+              <a:t>24/09/2012</a:t>
             </a:fld>
             <a:endParaRPr lang="pt-BR"/>
           </a:p>
@@ -2382,7 +2394,7 @@
               <a:pPr>
                 <a:defRPr/>
               </a:pPr>
-              <a:t>‹nº›</a:t>
+              <a:t>‹#›</a:t>
             </a:fld>
             <a:endParaRPr lang="pt-BR"/>
           </a:p>
@@ -2826,7 +2838,10 @@
             </a:pPr>
             <a:fld id="{36309879-BF5B-4E9B-8D72-20B80A22D50F}" type="datetime1">
               <a:rPr lang="pt-BR" smtClean="0"/>
-              <a:t>06/05/2012</a:t>
+              <a:pPr>
+                <a:defRPr/>
+              </a:pPr>
+              <a:t>24/09/2012</a:t>
             </a:fld>
             <a:endParaRPr lang="pt-BR"/>
           </a:p>
@@ -2885,7 +2900,7 @@
               <a:pPr>
                 <a:defRPr/>
               </a:pPr>
-              <a:t>‹nº›</a:t>
+              <a:t>‹#›</a:t>
             </a:fld>
             <a:endParaRPr lang="pt-BR"/>
           </a:p>
@@ -3114,7 +3129,10 @@
             </a:pPr>
             <a:fld id="{8242D48B-0DFD-4967-AE81-39977EFB169D}" type="datetime1">
               <a:rPr lang="pt-BR" smtClean="0"/>
-              <a:t>06/05/2012</a:t>
+              <a:pPr>
+                <a:defRPr/>
+              </a:pPr>
+              <a:t>24/09/2012</a:t>
             </a:fld>
             <a:endParaRPr lang="pt-BR"/>
           </a:p>
@@ -3173,7 +3191,7 @@
               <a:pPr>
                 <a:defRPr/>
               </a:pPr>
-              <a:t>‹nº›</a:t>
+              <a:t>‹#›</a:t>
             </a:fld>
             <a:endParaRPr lang="pt-BR"/>
           </a:p>
@@ -3512,7 +3530,10 @@
             </a:pPr>
             <a:fld id="{E985B991-4F77-41AE-A38F-961B1BFBE46B}" type="datetime1">
               <a:rPr lang="pt-BR" smtClean="0"/>
-              <a:t>06/05/2012</a:t>
+              <a:pPr>
+                <a:defRPr/>
+              </a:pPr>
+              <a:t>24/09/2012</a:t>
             </a:fld>
             <a:endParaRPr lang="pt-BR"/>
           </a:p>
@@ -3571,7 +3592,7 @@
               <a:pPr>
                 <a:defRPr/>
               </a:pPr>
-              <a:t>‹nº›</a:t>
+              <a:t>‹#›</a:t>
             </a:fld>
             <a:endParaRPr lang="pt-BR"/>
           </a:p>
@@ -3615,7 +3636,7 @@
         <p:spPr>
           <a:xfrm>
             <a:off x="457200" y="274320"/>
-            <a:ext cx="7470648" cy="1143000"/>
+            <a:ext cx="8329642" cy="1143000"/>
           </a:xfrm>
         </p:spPr>
         <p:txBody>
@@ -3627,10 +3648,10 @@
           </a:lstStyle>
           <a:p>
             <a:r>
-              <a:rPr lang="pt-BR" smtClean="0"/>
+              <a:rPr lang="pt-BR" dirty="0" smtClean="0"/>
               <a:t>Clique para editar o estilo do título mestre</a:t>
             </a:r>
-            <a:endParaRPr lang="en-US"/>
+            <a:endParaRPr lang="en-US" dirty="0"/>
           </a:p>
         </p:txBody>
       </p:sp>
@@ -3658,7 +3679,10 @@
             </a:pPr>
             <a:fld id="{63DFB4DA-7666-4DF1-AFE0-670F23708183}" type="datetime1">
               <a:rPr lang="pt-BR" smtClean="0"/>
-              <a:t>06/05/2012</a:t>
+              <a:pPr>
+                <a:defRPr/>
+              </a:pPr>
+              <a:t>24/09/2012</a:t>
             </a:fld>
             <a:endParaRPr lang="pt-BR"/>
           </a:p>
@@ -3717,7 +3741,7 @@
               <a:pPr>
                 <a:defRPr/>
               </a:pPr>
-              <a:t>‹nº›</a:t>
+              <a:t>‹#›</a:t>
             </a:fld>
             <a:endParaRPr lang="pt-BR"/>
           </a:p>
@@ -3772,7 +3796,10 @@
             </a:pPr>
             <a:fld id="{DAC049C9-2A55-48DB-9853-2212E65AFC43}" type="datetime1">
               <a:rPr lang="pt-BR" smtClean="0"/>
-              <a:t>06/05/2012</a:t>
+              <a:pPr>
+                <a:defRPr/>
+              </a:pPr>
+              <a:t>24/09/2012</a:t>
             </a:fld>
             <a:endParaRPr lang="pt-BR"/>
           </a:p>
@@ -3831,7 +3858,7 @@
               <a:pPr>
                 <a:defRPr/>
               </a:pPr>
-              <a:t>‹nº›</a:t>
+              <a:t>‹#›</a:t>
             </a:fld>
             <a:endParaRPr lang="pt-BR"/>
           </a:p>
@@ -4045,7 +4072,10 @@
             </a:pPr>
             <a:fld id="{A84D63F4-B52A-4257-8152-A1001B07176F}" type="datetime1">
               <a:rPr lang="pt-BR" smtClean="0"/>
-              <a:t>06/05/2012</a:t>
+              <a:pPr>
+                <a:defRPr/>
+              </a:pPr>
+              <a:t>24/09/2012</a:t>
             </a:fld>
             <a:endParaRPr lang="pt-BR"/>
           </a:p>
@@ -4109,7 +4139,7 @@
               <a:pPr>
                 <a:defRPr/>
               </a:pPr>
-              <a:t>‹nº›</a:t>
+              <a:t>‹#›</a:t>
             </a:fld>
             <a:endParaRPr lang="pt-BR"/>
           </a:p>
@@ -4326,7 +4356,10 @@
             </a:pPr>
             <a:fld id="{338C5074-B66F-4FB6-92B3-DA66FF5F4158}" type="datetime1">
               <a:rPr lang="pt-BR" smtClean="0"/>
-              <a:t>06/05/2012</a:t>
+              <a:pPr>
+                <a:defRPr/>
+              </a:pPr>
+              <a:t>24/09/2012</a:t>
             </a:fld>
             <a:endParaRPr lang="pt-BR"/>
           </a:p>
@@ -4385,7 +4418,7 @@
               <a:pPr>
                 <a:defRPr/>
               </a:pPr>
-              <a:t>‹nº›</a:t>
+              <a:t>‹#›</a:t>
             </a:fld>
             <a:endParaRPr lang="pt-BR"/>
           </a:p>
@@ -4801,7 +4834,10 @@
             </a:pPr>
             <a:fld id="{64585551-B061-4C84-84CB-2CD176D6F6EC}" type="datetime1">
               <a:rPr lang="pt-BR" smtClean="0"/>
-              <a:t>06/05/2012</a:t>
+              <a:pPr>
+                <a:defRPr/>
+              </a:pPr>
+              <a:t>24/09/2012</a:t>
             </a:fld>
             <a:endParaRPr lang="pt-BR"/>
           </a:p>
@@ -4904,7 +4940,7 @@
               <a:pPr>
                 <a:defRPr/>
               </a:pPr>
-              <a:t>‹nº›</a:t>
+              <a:t>‹#›</a:t>
             </a:fld>
             <a:endParaRPr lang="pt-BR"/>
           </a:p>
